--- a/How does a carrier pigeon work.pptx
+++ b/How does a carrier pigeon work.pptx
@@ -4158,148 +4158,6 @@
         <p:nvPr/>
       </p:nvGrpSpPr>
       <p:grpSpPr/>
-      <p:sp>
-        <p:nvSpPr>
-          <p:cNvPr id="2" name="标题 1"/>
-          <p:cNvSpPr>
-            <a:spLocks noGrp="1"/>
-          </p:cNvSpPr>
-          <p:nvPr>
-            <p:ph type="title"/>
-          </p:nvPr>
-        </p:nvSpPr>
-        <p:spPr/>
-        <p:txBody>
-          <a:bodyPr/>
-          <a:p>
-            <a:r>
-              <a:rPr lang="zh-CN" altLang="en-US" sz="6000">
-                <a:solidFill>
-                  <a:srgbClr val="0078D7"/>
-                </a:solidFill>
-                <a:latin typeface="Microsoft JhengHei UI Light" panose="020B0304030504040204" charset="-120"/>
-                <a:ea typeface="Microsoft JhengHei UI Light" panose="020B0304030504040204" charset="-120"/>
-              </a:rPr>
-              <a:t>Earth's magnetic field</a:t>
-            </a:r>
-            <a:endParaRPr lang="zh-CN" altLang="en-US" sz="6000">
-              <a:solidFill>
-                <a:srgbClr val="0078D7"/>
-              </a:solidFill>
-              <a:latin typeface="Microsoft JhengHei UI Light" panose="020B0304030504040204" charset="-120"/>
-              <a:ea typeface="Microsoft JhengHei UI Light" panose="020B0304030504040204" charset="-120"/>
-            </a:endParaRPr>
-          </a:p>
-        </p:txBody>
-      </p:sp>
-      <p:sp>
-        <p:nvSpPr>
-          <p:cNvPr id="3" name="文本占位符 2"/>
-          <p:cNvSpPr>
-            <a:spLocks noGrp="1"/>
-          </p:cNvSpPr>
-          <p:nvPr>
-            <p:ph type="body" idx="1"/>
-          </p:nvPr>
-        </p:nvSpPr>
-        <p:spPr/>
-        <p:txBody>
-          <a:bodyPr/>
-          <a:p>
-            <a:r>
-              <a:rPr lang="en-US" altLang="zh-CN" sz="3200">
-                <a:latin typeface="微软雅黑" panose="020B0503020204020204" charset="-122"/>
-                <a:ea typeface="微软雅黑" panose="020B0503020204020204" charset="-122"/>
-              </a:rPr>
-              <a:t>To know how pigeons lead their own way,we need to know the earth's magnetic field.What is magnetic field?We all know that the</a:t>
-            </a:r>
-            <a:endParaRPr lang="en-US" altLang="zh-CN" sz="3200">
-              <a:latin typeface="微软雅黑" panose="020B0503020204020204" charset="-122"/>
-              <a:ea typeface="微软雅黑" panose="020B0503020204020204" charset="-122"/>
-            </a:endParaRPr>
-          </a:p>
-          <a:p>
-            <a:pPr marL="0" indent="0">
-              <a:buNone/>
-            </a:pPr>
-            <a:r>
-              <a:rPr lang="en-US" altLang="zh-CN" sz="3200">
-                <a:latin typeface="微软雅黑" panose="020B0503020204020204" charset="-122"/>
-                <a:ea typeface="微软雅黑" panose="020B0503020204020204" charset="-122"/>
-              </a:rPr>
-              <a:t>  earth has North and south </a:t>
-            </a:r>
-            <a:endParaRPr lang="en-US" altLang="zh-CN" sz="3200">
-              <a:latin typeface="微软雅黑" panose="020B0503020204020204" charset="-122"/>
-              <a:ea typeface="微软雅黑" panose="020B0503020204020204" charset="-122"/>
-            </a:endParaRPr>
-          </a:p>
-          <a:p>
-            <a:pPr marL="0" indent="0">
-              <a:buNone/>
-            </a:pPr>
-            <a:r>
-              <a:rPr lang="en-US" altLang="zh-CN" sz="3200">
-                <a:latin typeface="微软雅黑" panose="020B0503020204020204" charset="-122"/>
-                <a:ea typeface="微软雅黑" panose="020B0503020204020204" charset="-122"/>
-              </a:rPr>
-              <a:t>  poles.And magnet has them</a:t>
-            </a:r>
-            <a:endParaRPr lang="en-US" altLang="zh-CN" sz="3200">
-              <a:latin typeface="微软雅黑" panose="020B0503020204020204" charset="-122"/>
-              <a:ea typeface="微软雅黑" panose="020B0503020204020204" charset="-122"/>
-            </a:endParaRPr>
-          </a:p>
-          <a:p>
-            <a:pPr marL="0" indent="0">
-              <a:buNone/>
-            </a:pPr>
-            <a:r>
-              <a:rPr lang="en-US" altLang="zh-CN" sz="3200">
-                <a:latin typeface="微软雅黑" panose="020B0503020204020204" charset="-122"/>
-                <a:ea typeface="微软雅黑" panose="020B0503020204020204" charset="-122"/>
-              </a:rPr>
-              <a:t>  too.A pigeon has a compass</a:t>
-            </a:r>
-            <a:endParaRPr lang="en-US" altLang="zh-CN" sz="3200">
-              <a:latin typeface="微软雅黑" panose="020B0503020204020204" charset="-122"/>
-              <a:ea typeface="微软雅黑" panose="020B0503020204020204" charset="-122"/>
-            </a:endParaRPr>
-          </a:p>
-          <a:p>
-            <a:pPr marL="0" indent="0">
-              <a:buNone/>
-            </a:pPr>
-            <a:r>
-              <a:rPr lang="en-US" altLang="zh-CN" sz="3200">
-                <a:latin typeface="微软雅黑" panose="020B0503020204020204" charset="-122"/>
-                <a:ea typeface="微软雅黑" panose="020B0503020204020204" charset="-122"/>
-              </a:rPr>
-              <a:t>  in its head,compasses can </a:t>
-            </a:r>
-            <a:endParaRPr lang="en-US" altLang="zh-CN" sz="3200">
-              <a:latin typeface="微软雅黑" panose="020B0503020204020204" charset="-122"/>
-              <a:ea typeface="微软雅黑" panose="020B0503020204020204" charset="-122"/>
-            </a:endParaRPr>
-          </a:p>
-          <a:p>
-            <a:pPr marL="0" indent="0">
-              <a:buNone/>
-            </a:pPr>
-            <a:r>
-              <a:rPr lang="en-US" altLang="zh-CN" sz="3200">
-                <a:latin typeface="微软雅黑" panose="020B0503020204020204" charset="-122"/>
-                <a:ea typeface="微软雅黑" panose="020B0503020204020204" charset="-122"/>
-              </a:rPr>
-              <a:t>  point south and north,a pigeon can do it too.</a:t>
-            </a:r>
-            <a:endParaRPr lang="en-US" altLang="zh-CN" sz="3200">
-              <a:latin typeface="微软雅黑" panose="020B0503020204020204" charset="-122"/>
-              <a:ea typeface="微软雅黑" panose="020B0503020204020204" charset="-122"/>
-            </a:endParaRPr>
-          </a:p>
-        </p:txBody>
-      </p:sp>
       <p:pic>
         <p:nvPicPr>
           <p:cNvPr id="5" name="图片 4" descr="timg"/>
@@ -4324,6 +4182,148 @@
           </a:prstGeom>
         </p:spPr>
       </p:pic>
+      <p:sp>
+        <p:nvSpPr>
+          <p:cNvPr id="2" name="标题 1"/>
+          <p:cNvSpPr>
+            <a:spLocks noGrp="1"/>
+          </p:cNvSpPr>
+          <p:nvPr>
+            <p:ph type="title"/>
+          </p:nvPr>
+        </p:nvSpPr>
+        <p:spPr/>
+        <p:txBody>
+          <a:bodyPr/>
+          <a:p>
+            <a:r>
+              <a:rPr lang="zh-CN" altLang="en-US" sz="6000">
+                <a:solidFill>
+                  <a:srgbClr val="0078D7"/>
+                </a:solidFill>
+                <a:latin typeface="Microsoft JhengHei UI Light" panose="020B0304030504040204" charset="-120"/>
+                <a:ea typeface="Microsoft JhengHei UI Light" panose="020B0304030504040204" charset="-120"/>
+              </a:rPr>
+              <a:t>Earth's magnetic field</a:t>
+            </a:r>
+            <a:endParaRPr lang="zh-CN" altLang="en-US" sz="6000">
+              <a:solidFill>
+                <a:srgbClr val="0078D7"/>
+              </a:solidFill>
+              <a:latin typeface="Microsoft JhengHei UI Light" panose="020B0304030504040204" charset="-120"/>
+              <a:ea typeface="Microsoft JhengHei UI Light" panose="020B0304030504040204" charset="-120"/>
+            </a:endParaRPr>
+          </a:p>
+        </p:txBody>
+      </p:sp>
+      <p:sp>
+        <p:nvSpPr>
+          <p:cNvPr id="3" name="文本占位符 2"/>
+          <p:cNvSpPr>
+            <a:spLocks noGrp="1"/>
+          </p:cNvSpPr>
+          <p:nvPr>
+            <p:ph type="body" idx="1"/>
+          </p:nvPr>
+        </p:nvSpPr>
+        <p:spPr/>
+        <p:txBody>
+          <a:bodyPr/>
+          <a:p>
+            <a:r>
+              <a:rPr lang="en-US" altLang="zh-CN" sz="3200">
+                <a:latin typeface="微软雅黑" panose="020B0503020204020204" charset="-122"/>
+                <a:ea typeface="微软雅黑" panose="020B0503020204020204" charset="-122"/>
+              </a:rPr>
+              <a:t>To know how pigeons lead their own way,we need to know the earth's magnetic field.What is magnetic field?We all know that the</a:t>
+            </a:r>
+            <a:endParaRPr lang="en-US" altLang="zh-CN" sz="3200">
+              <a:latin typeface="微软雅黑" panose="020B0503020204020204" charset="-122"/>
+              <a:ea typeface="微软雅黑" panose="020B0503020204020204" charset="-122"/>
+            </a:endParaRPr>
+          </a:p>
+          <a:p>
+            <a:pPr marL="0" indent="0">
+              <a:buNone/>
+            </a:pPr>
+            <a:r>
+              <a:rPr lang="en-US" altLang="zh-CN" sz="3200">
+                <a:latin typeface="微软雅黑" panose="020B0503020204020204" charset="-122"/>
+                <a:ea typeface="微软雅黑" panose="020B0503020204020204" charset="-122"/>
+              </a:rPr>
+              <a:t>  earth has North and south </a:t>
+            </a:r>
+            <a:endParaRPr lang="en-US" altLang="zh-CN" sz="3200">
+              <a:latin typeface="微软雅黑" panose="020B0503020204020204" charset="-122"/>
+              <a:ea typeface="微软雅黑" panose="020B0503020204020204" charset="-122"/>
+            </a:endParaRPr>
+          </a:p>
+          <a:p>
+            <a:pPr marL="0" indent="0">
+              <a:buNone/>
+            </a:pPr>
+            <a:r>
+              <a:rPr lang="en-US" altLang="zh-CN" sz="3200">
+                <a:latin typeface="微软雅黑" panose="020B0503020204020204" charset="-122"/>
+                <a:ea typeface="微软雅黑" panose="020B0503020204020204" charset="-122"/>
+              </a:rPr>
+              <a:t>  poles.And magnet has them</a:t>
+            </a:r>
+            <a:endParaRPr lang="en-US" altLang="zh-CN" sz="3200">
+              <a:latin typeface="微软雅黑" panose="020B0503020204020204" charset="-122"/>
+              <a:ea typeface="微软雅黑" panose="020B0503020204020204" charset="-122"/>
+            </a:endParaRPr>
+          </a:p>
+          <a:p>
+            <a:pPr marL="0" indent="0">
+              <a:buNone/>
+            </a:pPr>
+            <a:r>
+              <a:rPr lang="en-US" altLang="zh-CN" sz="3200">
+                <a:latin typeface="微软雅黑" panose="020B0503020204020204" charset="-122"/>
+                <a:ea typeface="微软雅黑" panose="020B0503020204020204" charset="-122"/>
+              </a:rPr>
+              <a:t>  too.A pigeon has a compass</a:t>
+            </a:r>
+            <a:endParaRPr lang="en-US" altLang="zh-CN" sz="3200">
+              <a:latin typeface="微软雅黑" panose="020B0503020204020204" charset="-122"/>
+              <a:ea typeface="微软雅黑" panose="020B0503020204020204" charset="-122"/>
+            </a:endParaRPr>
+          </a:p>
+          <a:p>
+            <a:pPr marL="0" indent="0">
+              <a:buNone/>
+            </a:pPr>
+            <a:r>
+              <a:rPr lang="en-US" altLang="zh-CN" sz="3200">
+                <a:latin typeface="微软雅黑" panose="020B0503020204020204" charset="-122"/>
+                <a:ea typeface="微软雅黑" panose="020B0503020204020204" charset="-122"/>
+              </a:rPr>
+              <a:t>  in its head,compasses can </a:t>
+            </a:r>
+            <a:endParaRPr lang="en-US" altLang="zh-CN" sz="3200">
+              <a:latin typeface="微软雅黑" panose="020B0503020204020204" charset="-122"/>
+              <a:ea typeface="微软雅黑" panose="020B0503020204020204" charset="-122"/>
+            </a:endParaRPr>
+          </a:p>
+          <a:p>
+            <a:pPr marL="0" indent="0">
+              <a:buNone/>
+            </a:pPr>
+            <a:r>
+              <a:rPr lang="en-US" altLang="zh-CN" sz="3200">
+                <a:latin typeface="微软雅黑" panose="020B0503020204020204" charset="-122"/>
+                <a:ea typeface="微软雅黑" panose="020B0503020204020204" charset="-122"/>
+              </a:rPr>
+              <a:t>  point south and north,a pigeon can do it too.</a:t>
+            </a:r>
+            <a:endParaRPr lang="en-US" altLang="zh-CN" sz="3200">
+              <a:latin typeface="微软雅黑" panose="020B0503020204020204" charset="-122"/>
+              <a:ea typeface="微软雅黑" panose="020B0503020204020204" charset="-122"/>
+            </a:endParaRPr>
+          </a:p>
+        </p:txBody>
+      </p:sp>
     </p:spTree>
   </p:cSld>
   <p:clrMapOvr>
@@ -4386,10 +4386,22 @@
             <p:ph type="body" idx="1"/>
           </p:nvPr>
         </p:nvSpPr>
-        <p:spPr/>
-        <p:txBody>
-          <a:bodyPr/>
-          <a:p>
+        <p:spPr>
+          <a:xfrm>
+            <a:off x="838200" y="1825625"/>
+            <a:ext cx="10515600" cy="4841875"/>
+          </a:xfrm>
+        </p:spPr>
+        <p:txBody>
+          <a:bodyPr>
+            <a:normAutofit lnSpcReduction="20000"/>
+          </a:bodyPr>
+          <a:p>
+            <a:pPr>
+              <a:lnSpc>
+                <a:spcPct val="120000"/>
+              </a:lnSpc>
+            </a:pPr>
             <a:r>
               <a:rPr lang="en-US" altLang="zh-CN" sz="3200">
                 <a:latin typeface="微软雅黑" panose="020B0503020204020204" charset="-122"/>
@@ -4408,8 +4420,197 @@
               <a:ea typeface="微软雅黑" panose="020B0503020204020204" charset="-122"/>
             </a:endParaRPr>
           </a:p>
-        </p:txBody>
-      </p:sp>
+          <a:p>
+            <a:pPr marL="0" indent="0">
+              <a:buNone/>
+            </a:pPr>
+            <a:r>
+              <a:rPr lang="en-US" altLang="zh-CN" sz="3200">
+                <a:latin typeface="微软雅黑" panose="020B0503020204020204" charset="-122"/>
+                <a:ea typeface="微软雅黑" panose="020B0503020204020204" charset="-122"/>
+              </a:rPr>
+              <a:t>                         </a:t>
+            </a:r>
+            <a:r>
+              <a:rPr lang="en-US" altLang="zh-CN" sz="1400">
+                <a:latin typeface="微软雅黑" panose="020B0503020204020204" charset="-122"/>
+                <a:ea typeface="微软雅黑" panose="020B0503020204020204" charset="-122"/>
+              </a:rPr>
+              <a:t>Here,the magetic </a:t>
+            </a:r>
+            <a:endParaRPr lang="en-US" altLang="zh-CN" sz="1400">
+              <a:latin typeface="微软雅黑" panose="020B0503020204020204" charset="-122"/>
+              <a:ea typeface="微软雅黑" panose="020B0503020204020204" charset="-122"/>
+            </a:endParaRPr>
+          </a:p>
+          <a:p>
+            <a:pPr marL="0" indent="0">
+              <a:buNone/>
+            </a:pPr>
+            <a:r>
+              <a:rPr lang="en-US" altLang="zh-CN" sz="1400">
+                <a:latin typeface="微软雅黑" panose="020B0503020204020204" charset="-122"/>
+                <a:ea typeface="微软雅黑" panose="020B0503020204020204" charset="-122"/>
+              </a:rPr>
+              <a:t>                                                         is strong</a:t>
+            </a:r>
+            <a:endParaRPr lang="en-US" altLang="zh-CN" sz="1400">
+              <a:latin typeface="微软雅黑" panose="020B0503020204020204" charset="-122"/>
+              <a:ea typeface="微软雅黑" panose="020B0503020204020204" charset="-122"/>
+            </a:endParaRPr>
+          </a:p>
+          <a:p>
+            <a:endParaRPr lang="en-US" altLang="zh-CN" sz="1400">
+              <a:latin typeface="微软雅黑" panose="020B0503020204020204" charset="-122"/>
+              <a:ea typeface="微软雅黑" panose="020B0503020204020204" charset="-122"/>
+            </a:endParaRPr>
+          </a:p>
+          <a:p>
+            <a:pPr marL="0" indent="0">
+              <a:buNone/>
+            </a:pPr>
+            <a:endParaRPr lang="en-US" altLang="zh-CN" sz="1400">
+              <a:latin typeface="微软雅黑" panose="020B0503020204020204" charset="-122"/>
+              <a:ea typeface="微软雅黑" panose="020B0503020204020204" charset="-122"/>
+            </a:endParaRPr>
+          </a:p>
+          <a:p>
+            <a:pPr marL="0" indent="0">
+              <a:buNone/>
+            </a:pPr>
+            <a:r>
+              <a:rPr lang="en-US" altLang="zh-CN" sz="1400">
+                <a:latin typeface="微软雅黑" panose="020B0503020204020204" charset="-122"/>
+                <a:ea typeface="微软雅黑" panose="020B0503020204020204" charset="-122"/>
+              </a:rPr>
+              <a:t>                                                             But here,the magetic</a:t>
+            </a:r>
+            <a:endParaRPr lang="en-US" altLang="zh-CN" sz="1400">
+              <a:latin typeface="微软雅黑" panose="020B0503020204020204" charset="-122"/>
+              <a:ea typeface="微软雅黑" panose="020B0503020204020204" charset="-122"/>
+            </a:endParaRPr>
+          </a:p>
+          <a:p>
+            <a:pPr marL="0" indent="0">
+              <a:buNone/>
+            </a:pPr>
+            <a:r>
+              <a:rPr lang="en-US" altLang="zh-CN" sz="1400">
+                <a:latin typeface="微软雅黑" panose="020B0503020204020204" charset="-122"/>
+                <a:ea typeface="微软雅黑" panose="020B0503020204020204" charset="-122"/>
+              </a:rPr>
+              <a:t>                                                             is weak</a:t>
+            </a:r>
+            <a:endParaRPr lang="en-US" altLang="zh-CN" sz="1400">
+              <a:latin typeface="微软雅黑" panose="020B0503020204020204" charset="-122"/>
+              <a:ea typeface="微软雅黑" panose="020B0503020204020204" charset="-122"/>
+            </a:endParaRPr>
+          </a:p>
+          <a:p>
+            <a:pPr marL="0" indent="0">
+              <a:buNone/>
+            </a:pPr>
+            <a:endParaRPr lang="en-US" altLang="zh-CN" sz="1400">
+              <a:latin typeface="微软雅黑" panose="020B0503020204020204" charset="-122"/>
+              <a:ea typeface="微软雅黑" panose="020B0503020204020204" charset="-122"/>
+            </a:endParaRPr>
+          </a:p>
+        </p:txBody>
+      </p:sp>
+      <p:pic>
+        <p:nvPicPr>
+          <p:cNvPr id="4" name="图片 3" descr="8b7f520f6719469074b34c2d3a27f2c3"/>
+          <p:cNvPicPr>
+            <a:picLocks noChangeAspect="1"/>
+          </p:cNvPicPr>
+          <p:nvPr/>
+        </p:nvPicPr>
+        <p:blipFill>
+          <a:blip r:embed="rId1"/>
+          <a:stretch>
+            <a:fillRect/>
+          </a:stretch>
+        </p:blipFill>
+        <p:spPr>
+          <a:xfrm>
+            <a:off x="6823710" y="3895090"/>
+            <a:ext cx="4530090" cy="2702560"/>
+          </a:xfrm>
+          <a:prstGeom prst="rect">
+            <a:avLst/>
+          </a:prstGeom>
+        </p:spPr>
+      </p:pic>
+      <p:cxnSp>
+        <p:nvCxnSpPr>
+          <p:cNvPr id="11" name="曲线连接符 10"/>
+          <p:cNvCxnSpPr/>
+          <p:nvPr/>
+        </p:nvCxnSpPr>
+        <p:spPr>
+          <a:xfrm rot="10800000">
+            <a:off x="5338445" y="4838065"/>
+            <a:ext cx="3366770" cy="3175"/>
+          </a:xfrm>
+          <a:prstGeom prst="curvedConnector2">
+            <a:avLst/>
+          </a:prstGeom>
+          <a:ln>
+            <a:headEnd type="arrow" w="med" len="med"/>
+            <a:tailEnd type="arrow" w="med" len="med"/>
+          </a:ln>
+        </p:spPr>
+        <p:style>
+          <a:lnRef idx="1">
+            <a:schemeClr val="accent3"/>
+          </a:lnRef>
+          <a:fillRef idx="0">
+            <a:schemeClr val="accent3"/>
+          </a:fillRef>
+          <a:effectRef idx="0">
+            <a:schemeClr val="accent3"/>
+          </a:effectRef>
+          <a:fontRef idx="minor">
+            <a:schemeClr val="tx1"/>
+          </a:fontRef>
+        </p:style>
+      </p:cxnSp>
+      <p:cxnSp>
+        <p:nvCxnSpPr>
+          <p:cNvPr id="12" name="曲线连接符 11"/>
+          <p:cNvCxnSpPr/>
+          <p:nvPr/>
+        </p:nvCxnSpPr>
+        <p:spPr>
+          <a:xfrm rot="10800000" flipV="1">
+            <a:off x="5843270" y="5285740"/>
+            <a:ext cx="3170555" cy="744855"/>
+          </a:xfrm>
+          <a:prstGeom prst="curvedConnector3">
+            <a:avLst>
+              <a:gd name="adj1" fmla="val 49990"/>
+            </a:avLst>
+          </a:prstGeom>
+          <a:ln>
+            <a:headEnd type="arrow" w="med" len="med"/>
+            <a:tailEnd type="arrow" w="med" len="med"/>
+          </a:ln>
+        </p:spPr>
+        <p:style>
+          <a:lnRef idx="1">
+            <a:schemeClr val="accent3"/>
+          </a:lnRef>
+          <a:fillRef idx="0">
+            <a:schemeClr val="accent3"/>
+          </a:fillRef>
+          <a:effectRef idx="0">
+            <a:schemeClr val="accent3"/>
+          </a:effectRef>
+          <a:fontRef idx="minor">
+            <a:schemeClr val="tx1"/>
+          </a:fontRef>
+        </p:style>
+      </p:cxnSp>
     </p:spTree>
   </p:cSld>
   <p:clrMapOvr>
